--- a/18-Descrição dos Processos de Negócio.pptx
+++ b/18-Descrição dos Processos de Negócio.pptx
@@ -3093,7 +3093,7 @@
         <p:spPr>
           <a:xfrm>
             <a:off x="5303518" y="4321116"/>
-            <a:ext cx="6528301" cy="1754326"/>
+            <a:ext cx="5916417" cy="1754326"/>
           </a:xfrm>
           <a:prstGeom prst="rect">
             <a:avLst/>
@@ -3106,39 +3106,29 @@
           <a:lstStyle/>
           <a:p>
             <a:r>
-              <a:rPr lang="pt-BR" b="1" dirty="0" smtClean="0"/>
+              <a:rPr lang="pt-BR" b="1" dirty="0"/>
               <a:t>Refinar dados do problema </a:t>
             </a:r>
           </a:p>
           <a:p>
             <a:r>
-              <a:rPr lang="pt-BR" b="1" dirty="0" smtClean="0"/>
-              <a:t>Evento</a:t>
-            </a:r>
-            <a:r>
-              <a:rPr lang="pt-BR" b="1" dirty="0"/>
-              <a:t>: </a:t>
-            </a:r>
-            <a:r>
-              <a:rPr lang="pt-BR" dirty="0" smtClean="0"/>
+              <a:rPr lang="pt-BR" b="1" dirty="0"/>
+              <a:t>Evento: </a:t>
+            </a:r>
+            <a:r>
+              <a:rPr lang="pt-BR" dirty="0"/>
               <a:t>Refinar problema do cliente </a:t>
             </a:r>
-            <a:endParaRPr lang="pt-BR" dirty="0" smtClean="0"/>
-          </a:p>
-          <a:p>
-            <a:r>
-              <a:rPr lang="pt-BR" b="1" dirty="0" smtClean="0"/>
-              <a:t>Objetivo</a:t>
-            </a:r>
-            <a:r>
-              <a:rPr lang="pt-BR" b="1" dirty="0"/>
-              <a:t>: </a:t>
-            </a:r>
-            <a:r>
-              <a:rPr lang="pt-BR" dirty="0" smtClean="0"/>
+          </a:p>
+          <a:p>
+            <a:r>
+              <a:rPr lang="pt-BR" b="1" dirty="0"/>
+              <a:t>Objetivo: </a:t>
+            </a:r>
+            <a:r>
+              <a:rPr lang="pt-BR" dirty="0"/>
               <a:t>Refinar os  dados do problema com o técnico </a:t>
             </a:r>
-            <a:endParaRPr lang="pt-BR" dirty="0"/>
           </a:p>
           <a:p>
             <a:r>
@@ -3146,7 +3136,7 @@
               <a:t>Trabalhadores envolvidos: </a:t>
             </a:r>
             <a:r>
-              <a:rPr lang="pt-BR" dirty="0" smtClean="0"/>
+              <a:rPr lang="pt-BR" dirty="0"/>
               <a:t>Atendente</a:t>
             </a:r>
           </a:p>
@@ -3156,25 +3146,9 @@
               <a:buChar char="•"/>
             </a:pPr>
             <a:r>
-              <a:rPr lang="pt-BR" dirty="0" smtClean="0"/>
-              <a:t>Atendente ao receber os </a:t>
-            </a:r>
-            <a:r>
-              <a:rPr lang="pt-BR" dirty="0" smtClean="0"/>
-              <a:t>dados do problema  do cliente </a:t>
-            </a:r>
-            <a:endParaRPr lang="pt-BR" dirty="0" smtClean="0"/>
-          </a:p>
-          <a:p>
-            <a:pPr marL="285750" indent="-285750">
-              <a:buFont typeface="Arial" panose="020B0604020202020204" pitchFamily="34" charset="0"/>
-              <a:buChar char="•"/>
-            </a:pPr>
-            <a:r>
-              <a:rPr lang="pt-BR" dirty="0" smtClean="0"/>
-              <a:t>Tirar duvidas com o técnicos  </a:t>
-            </a:r>
-            <a:endParaRPr lang="pt-BR" dirty="0"/>
+              <a:rPr lang="pt-BR" dirty="0"/>
+              <a:t>Atendente ao receber os dados do problema  do cliente, tirar duvidas com o técnicos  </a:t>
+            </a:r>
           </a:p>
         </p:txBody>
       </p:sp>
@@ -3319,44 +3293,34 @@
           <a:lstStyle/>
           <a:p>
             <a:r>
-              <a:rPr lang="pt-BR" b="1" dirty="0" smtClean="0"/>
+              <a:rPr lang="pt-BR" b="1" dirty="0"/>
               <a:t>Salvar dados do problema </a:t>
             </a:r>
-            <a:endParaRPr lang="pt-BR" b="1" dirty="0"/>
-          </a:p>
-          <a:p>
-            <a:r>
-              <a:rPr lang="pt-BR" b="1" dirty="0" smtClean="0"/>
-              <a:t>Evento</a:t>
-            </a:r>
-            <a:r>
-              <a:rPr lang="pt-BR" b="1" dirty="0"/>
-              <a:t>: </a:t>
-            </a:r>
-            <a:r>
-              <a:rPr lang="pt-BR" dirty="0" smtClean="0"/>
+          </a:p>
+          <a:p>
+            <a:r>
+              <a:rPr lang="pt-BR" b="1" dirty="0"/>
+              <a:t>Evento: </a:t>
+            </a:r>
+            <a:r>
+              <a:rPr lang="pt-BR" dirty="0"/>
               <a:t>Salvar os dados do problema</a:t>
             </a:r>
             <a:r>
-              <a:rPr lang="pt-BR" b="1" dirty="0" smtClean="0"/>
+              <a:rPr lang="pt-BR" b="1" dirty="0"/>
               <a:t> </a:t>
             </a:r>
-            <a:endParaRPr lang="pt-BR" dirty="0" smtClean="0"/>
-          </a:p>
-          <a:p>
-            <a:r>
-              <a:rPr lang="pt-BR" b="1" dirty="0" smtClean="0"/>
-              <a:t>Objetivo</a:t>
-            </a:r>
-            <a:r>
-              <a:rPr lang="pt-BR" b="1" dirty="0"/>
-              <a:t>: </a:t>
-            </a:r>
-            <a:r>
-              <a:rPr lang="pt-BR" dirty="0" smtClean="0"/>
+            <a:endParaRPr lang="pt-BR" dirty="0"/>
+          </a:p>
+          <a:p>
+            <a:r>
+              <a:rPr lang="pt-BR" b="1" dirty="0"/>
+              <a:t>Objetivo: </a:t>
+            </a:r>
+            <a:r>
+              <a:rPr lang="pt-BR" dirty="0"/>
               <a:t>Responder a duvida da recepção </a:t>
             </a:r>
-            <a:endParaRPr lang="pt-BR" dirty="0"/>
           </a:p>
           <a:p>
             <a:r>
@@ -3364,10 +3328,9 @@
               <a:t>Trabalhadores envolvidos: </a:t>
             </a:r>
             <a:r>
-              <a:rPr lang="pt-BR" dirty="0" smtClean="0"/>
+              <a:rPr lang="pt-BR" dirty="0"/>
               <a:t>Técnico </a:t>
             </a:r>
-            <a:endParaRPr lang="pt-BR" dirty="0" smtClean="0"/>
           </a:p>
           <a:p>
             <a:pPr marL="285750" indent="-285750">
@@ -3375,7 +3338,7 @@
               <a:buChar char="•"/>
             </a:pPr>
             <a:r>
-              <a:rPr lang="pt-BR" dirty="0" smtClean="0"/>
+              <a:rPr lang="pt-BR" dirty="0"/>
               <a:t>Atendente ao enviar dados do problema ao técnico </a:t>
             </a:r>
           </a:p>
@@ -3385,14 +3348,9 @@
               <a:buChar char="•"/>
             </a:pPr>
             <a:r>
-              <a:rPr lang="pt-BR" dirty="0" smtClean="0"/>
-              <a:t>Técnico devolve uma resposta de solução do problema, e salva a resposta do problema</a:t>
-            </a:r>
-            <a:r>
-              <a:rPr lang="pt-BR" dirty="0" smtClean="0"/>
-              <a:t>.</a:t>
-            </a:r>
-            <a:endParaRPr lang="pt-BR" dirty="0" smtClean="0"/>
+              <a:rPr lang="pt-BR" dirty="0"/>
+              <a:t>Técnico devolve uma resposta de solução do problema, e salva a resposta do problema.</a:t>
+            </a:r>
           </a:p>
         </p:txBody>
       </p:sp>
@@ -3531,10 +3489,9 @@
           <a:lstStyle/>
           <a:p>
             <a:r>
-              <a:rPr lang="pt-BR" b="1" dirty="0" smtClean="0"/>
+              <a:rPr lang="pt-BR" b="1" dirty="0"/>
               <a:t>Cobrar dados do problema </a:t>
             </a:r>
-            <a:endParaRPr lang="pt-BR" b="1" dirty="0"/>
           </a:p>
           <a:p>
             <a:r>
@@ -3542,11 +3499,11 @@
               <a:t>Evento: </a:t>
             </a:r>
             <a:r>
-              <a:rPr lang="pt-BR" dirty="0" smtClean="0"/>
+              <a:rPr lang="pt-BR" dirty="0"/>
               <a:t>Cobrar dados </a:t>
             </a:r>
             <a:r>
-              <a:rPr lang="pt-BR" b="1" dirty="0" smtClean="0"/>
+              <a:rPr lang="pt-BR" b="1" dirty="0"/>
               <a:t> </a:t>
             </a:r>
             <a:endParaRPr lang="pt-BR" dirty="0"/>
@@ -3557,10 +3514,9 @@
               <a:t>Objetivo: </a:t>
             </a:r>
             <a:r>
-              <a:rPr lang="pt-BR" dirty="0" smtClean="0"/>
+              <a:rPr lang="pt-BR" dirty="0"/>
               <a:t>Cobrar técnico </a:t>
             </a:r>
-            <a:endParaRPr lang="pt-BR" dirty="0"/>
           </a:p>
           <a:p>
             <a:r>
@@ -3568,10 +3524,9 @@
               <a:t>Trabalhadores envolvidos: </a:t>
             </a:r>
             <a:r>
-              <a:rPr lang="pt-BR" dirty="0" smtClean="0"/>
+              <a:rPr lang="pt-BR" dirty="0"/>
               <a:t>Atendente </a:t>
             </a:r>
-            <a:endParaRPr lang="pt-BR" dirty="0"/>
           </a:p>
           <a:p>
             <a:pPr marL="285750" indent="-285750">
@@ -3579,14 +3534,9 @@
               <a:buChar char="•"/>
             </a:pPr>
             <a:r>
-              <a:rPr lang="pt-BR" dirty="0" smtClean="0"/>
-              <a:t>Se </a:t>
-            </a:r>
-            <a:r>
-              <a:rPr lang="pt-BR" dirty="0"/>
-              <a:t>caso o técnico não responder em 5 minutos, o atendente cobrara uma resposta de solução do problema  </a:t>
-            </a:r>
-            <a:endParaRPr lang="pt-BR" dirty="0"/>
+              <a:rPr lang="pt-BR" dirty="0"/>
+              <a:t>Se caso o técnico não responder em 5 minutos, o atendente cobrara uma resposta de solução do problema  </a:t>
+            </a:r>
           </a:p>
         </p:txBody>
       </p:sp>
@@ -3731,40 +3681,29 @@
           <a:lstStyle/>
           <a:p>
             <a:r>
-              <a:rPr lang="pt-BR" b="1" dirty="0" smtClean="0"/>
+              <a:rPr lang="pt-BR" b="1" dirty="0"/>
               <a:t>Enviar data e horário disponível </a:t>
             </a:r>
-            <a:endParaRPr lang="pt-BR" b="1" dirty="0"/>
-          </a:p>
-          <a:p>
-            <a:r>
-              <a:rPr lang="pt-BR" b="1" dirty="0" smtClean="0"/>
-              <a:t>Evento</a:t>
-            </a:r>
-            <a:r>
-              <a:rPr lang="pt-BR" b="1" dirty="0"/>
-              <a:t>: </a:t>
-            </a:r>
-            <a:r>
-              <a:rPr lang="pt-BR" dirty="0" smtClean="0"/>
+          </a:p>
+          <a:p>
+            <a:r>
+              <a:rPr lang="pt-BR" b="1" dirty="0"/>
+              <a:t>Evento: </a:t>
+            </a:r>
+            <a:r>
+              <a:rPr lang="pt-BR" dirty="0"/>
               <a:t>Enviar datas e horário </a:t>
             </a:r>
-            <a:endParaRPr lang="pt-BR" dirty="0" smtClean="0"/>
-          </a:p>
-          <a:p>
-            <a:r>
-              <a:rPr lang="pt-BR" b="1" dirty="0" smtClean="0"/>
-              <a:t>Objetivo</a:t>
-            </a:r>
-            <a:r>
-              <a:rPr lang="pt-BR" b="1" dirty="0"/>
-              <a:t>: </a:t>
-            </a:r>
-            <a:r>
-              <a:rPr lang="pt-BR" dirty="0" smtClean="0"/>
+          </a:p>
+          <a:p>
+            <a:r>
+              <a:rPr lang="pt-BR" b="1" dirty="0"/>
+              <a:t>Objetivo: </a:t>
+            </a:r>
+            <a:r>
+              <a:rPr lang="pt-BR" dirty="0"/>
               <a:t>Agendar um horário com o cliente </a:t>
             </a:r>
-            <a:endParaRPr lang="pt-BR" dirty="0"/>
           </a:p>
           <a:p>
             <a:r>
@@ -3782,7 +3721,7 @@
               <a:buChar char="•"/>
             </a:pPr>
             <a:r>
-              <a:rPr lang="pt-BR" dirty="0" smtClean="0"/>
+              <a:rPr lang="pt-BR" dirty="0"/>
               <a:t>Se não resolver pela chamada, atendente entrara em contato com agenda do técnico.</a:t>
             </a:r>
           </a:p>
@@ -3792,7 +3731,7 @@
               <a:buChar char="•"/>
             </a:pPr>
             <a:r>
-              <a:rPr lang="pt-BR" dirty="0" smtClean="0"/>
+              <a:rPr lang="pt-BR" dirty="0"/>
               <a:t>Entrando na agenda do técnico, a procura de uma data e um horário disponível .</a:t>
             </a:r>
           </a:p>
@@ -3802,7 +3741,7 @@
               <a:buChar char="•"/>
             </a:pPr>
             <a:r>
-              <a:rPr lang="pt-BR" dirty="0" smtClean="0"/>
+              <a:rPr lang="pt-BR" dirty="0"/>
               <a:t>Ao selecionar data e horário disponível, imediatamente enviara para o cliente opções de data e horários disponível.</a:t>
             </a:r>
           </a:p>
@@ -4092,28 +4031,18 @@
           <a:p>
             <a:r>
               <a:rPr lang="pt-BR" b="1" dirty="0"/>
-              <a:t>Receber </a:t>
-            </a:r>
-            <a:r>
-              <a:rPr lang="pt-BR" b="1" dirty="0" smtClean="0"/>
-              <a:t>confirmação de data e horário </a:t>
-            </a:r>
-            <a:endParaRPr lang="pt-BR" b="1" dirty="0"/>
-          </a:p>
-          <a:p>
-            <a:r>
-              <a:rPr lang="pt-BR" b="1" dirty="0" smtClean="0"/>
-              <a:t>Evento</a:t>
-            </a:r>
-            <a:r>
-              <a:rPr lang="pt-BR" b="1" dirty="0"/>
-              <a:t>: </a:t>
-            </a:r>
-            <a:r>
-              <a:rPr lang="pt-BR" dirty="0" smtClean="0"/>
+              <a:t>Receber confirmação de data e horário </a:t>
+            </a:r>
+          </a:p>
+          <a:p>
+            <a:r>
+              <a:rPr lang="pt-BR" b="1" dirty="0"/>
+              <a:t>Evento: </a:t>
+            </a:r>
+            <a:r>
+              <a:rPr lang="pt-BR" dirty="0"/>
               <a:t>cliente solicita instalação </a:t>
             </a:r>
-            <a:endParaRPr lang="pt-BR" dirty="0"/>
           </a:p>
           <a:p>
             <a:r>
@@ -4141,7 +4070,7 @@
               <a:buChar char="•"/>
             </a:pPr>
             <a:r>
-              <a:rPr lang="pt-BR" dirty="0" smtClean="0"/>
+              <a:rPr lang="pt-BR" dirty="0"/>
               <a:t>Cliente solicita uma data e horário disponível</a:t>
             </a:r>
           </a:p>
@@ -4151,10 +4080,9 @@
               <a:buChar char="•"/>
             </a:pPr>
             <a:r>
-              <a:rPr lang="pt-BR" dirty="0" smtClean="0"/>
+              <a:rPr lang="pt-BR" dirty="0"/>
               <a:t>Dados de solicitação recebe confirmação de data e horário do cliente. </a:t>
             </a:r>
-            <a:endParaRPr lang="pt-BR" dirty="0"/>
           </a:p>
         </p:txBody>
       </p:sp>
@@ -4299,10 +4227,9 @@
           <a:lstStyle/>
           <a:p>
             <a:r>
-              <a:rPr lang="pt-BR" b="1" dirty="0" smtClean="0"/>
+              <a:rPr lang="pt-BR" b="1" dirty="0"/>
               <a:t>Cobrar confirmação de date e horário </a:t>
             </a:r>
-            <a:endParaRPr lang="pt-BR" b="1" dirty="0"/>
           </a:p>
           <a:p>
             <a:r>
@@ -4310,24 +4237,19 @@
               <a:t> Evento: </a:t>
             </a:r>
             <a:r>
-              <a:rPr lang="pt-BR" dirty="0" smtClean="0"/>
+              <a:rPr lang="pt-BR" dirty="0"/>
               <a:t>Confirma data e horário solicitado </a:t>
             </a:r>
           </a:p>
           <a:p>
             <a:r>
-              <a:rPr lang="pt-BR" b="1" dirty="0" smtClean="0"/>
-              <a:t>Objetivo</a:t>
-            </a:r>
-            <a:r>
-              <a:rPr lang="pt-BR" b="1" dirty="0"/>
-              <a:t>: </a:t>
-            </a:r>
-            <a:r>
-              <a:rPr lang="pt-BR" dirty="0" smtClean="0"/>
+              <a:rPr lang="pt-BR" b="1" dirty="0"/>
+              <a:t>Objetivo: </a:t>
+            </a:r>
+            <a:r>
+              <a:rPr lang="pt-BR" dirty="0"/>
               <a:t>confirma a data com o cliente </a:t>
             </a:r>
-            <a:endParaRPr lang="pt-BR" dirty="0"/>
           </a:p>
           <a:p>
             <a:r>
@@ -4345,7 +4267,7 @@
               <a:buChar char="•"/>
             </a:pPr>
             <a:r>
-              <a:rPr lang="pt-BR" dirty="0" smtClean="0"/>
+              <a:rPr lang="pt-BR" dirty="0"/>
               <a:t>Se caso o cliente não devolver uma resposta de confirmação.</a:t>
             </a:r>
           </a:p>
@@ -4355,16 +4277,8 @@
               <a:buChar char="•"/>
             </a:pPr>
             <a:r>
-              <a:rPr lang="pt-BR" dirty="0" smtClean="0"/>
-              <a:t>Atendente </a:t>
-            </a:r>
-            <a:r>
-              <a:rPr lang="pt-BR" dirty="0" smtClean="0"/>
-              <a:t>cobra uma confirmação de data e horário solicitado pelo </a:t>
-            </a:r>
-            <a:r>
-              <a:rPr lang="pt-BR" dirty="0" smtClean="0"/>
-              <a:t>cliente.</a:t>
+              <a:rPr lang="pt-BR" dirty="0"/>
+              <a:t>Atendente cobra uma confirmação de data e horário solicitado pelo cliente.</a:t>
             </a:r>
           </a:p>
           <a:p>
@@ -4513,10 +4427,9 @@
           <a:lstStyle/>
           <a:p>
             <a:r>
-              <a:rPr lang="pt-BR" b="1" dirty="0" smtClean="0"/>
+              <a:rPr lang="pt-BR" b="1" dirty="0"/>
               <a:t>Enviar agenda técnica </a:t>
             </a:r>
-            <a:endParaRPr lang="pt-BR" b="1" dirty="0"/>
           </a:p>
           <a:p>
             <a:r>
@@ -4524,10 +4437,9 @@
               <a:t> Evento: </a:t>
             </a:r>
             <a:r>
-              <a:rPr lang="pt-BR" dirty="0" smtClean="0"/>
+              <a:rPr lang="pt-BR" dirty="0"/>
               <a:t>enviar nova agenda para o técnico </a:t>
             </a:r>
-            <a:endParaRPr lang="pt-BR" dirty="0"/>
           </a:p>
           <a:p>
             <a:r>
@@ -4535,10 +4447,9 @@
               <a:t>Objetivo: </a:t>
             </a:r>
             <a:r>
-              <a:rPr lang="pt-BR" dirty="0" smtClean="0"/>
+              <a:rPr lang="pt-BR" dirty="0"/>
               <a:t>enviar data e horário de uma nova instalação </a:t>
             </a:r>
-            <a:endParaRPr lang="pt-BR" dirty="0"/>
           </a:p>
           <a:p>
             <a:r>
@@ -4556,10 +4467,9 @@
               <a:buChar char="•"/>
             </a:pPr>
             <a:r>
-              <a:rPr lang="pt-BR" dirty="0" smtClean="0"/>
+              <a:rPr lang="pt-BR" dirty="0"/>
               <a:t>Atendente adiciona na agenda do técnico uma nova solicitação de instalação, com data e horário.</a:t>
             </a:r>
-            <a:endParaRPr lang="pt-BR" dirty="0"/>
           </a:p>
         </p:txBody>
       </p:sp>
@@ -5218,20 +5128,9 @@
               <a:buChar char="•"/>
             </a:pPr>
             <a:r>
-              <a:rPr lang="pt-BR" dirty="0" smtClean="0"/>
-              <a:t>Se o técnico não receber uma agenda após 2 dias depois do prazo estipulado.</a:t>
-            </a:r>
-          </a:p>
-          <a:p>
-            <a:pPr marL="285750" indent="-285750">
-              <a:buFont typeface="Arial" panose="020B0604020202020204" pitchFamily="34" charset="0"/>
-              <a:buChar char="•"/>
-            </a:pPr>
-            <a:r>
-              <a:rPr lang="pt-BR" dirty="0" smtClean="0"/>
-              <a:t>O técnico cobrara uma agenda da recepção. </a:t>
-            </a:r>
-            <a:endParaRPr lang="pt-BR" dirty="0" smtClean="0"/>
+              <a:rPr lang="pt-BR" dirty="0"/>
+              <a:t>Se o técnico não receber uma agenda após 2 dias depois do prazo estipulado. O técnico cobrara uma agenda da recepção. </a:t>
+            </a:r>
           </a:p>
         </p:txBody>
       </p:sp>
@@ -5386,16 +5285,8 @@
               <a:t>Evento: </a:t>
             </a:r>
             <a:r>
-              <a:rPr lang="pt-BR" dirty="0" smtClean="0"/>
-              <a:t>Recepção</a:t>
-            </a:r>
-            <a:r>
-              <a:rPr lang="pt-BR" dirty="0" smtClean="0"/>
-              <a:t> </a:t>
-            </a:r>
-            <a:r>
-              <a:rPr lang="pt-BR" dirty="0"/>
-              <a:t>recebe o relatório do problema</a:t>
+              <a:rPr lang="pt-BR" dirty="0"/>
+              <a:t>Recepção recebe o relatório do problema</a:t>
             </a:r>
           </a:p>
           <a:p>
@@ -5414,7 +5305,7 @@
               <a:t>Trabalhadores envolvidos: </a:t>
             </a:r>
             <a:r>
-              <a:rPr lang="pt-BR" dirty="0" smtClean="0"/>
+              <a:rPr lang="pt-BR" dirty="0"/>
               <a:t>Atendente </a:t>
             </a:r>
           </a:p>
@@ -5424,7 +5315,7 @@
               <a:buChar char="•"/>
             </a:pPr>
             <a:r>
-              <a:rPr lang="pt-BR" dirty="0" smtClean="0"/>
+              <a:rPr lang="pt-BR" dirty="0"/>
               <a:t>Recepção recebe relatório de trabalho do técnico</a:t>
             </a:r>
           </a:p>
@@ -5434,10 +5325,9 @@
               <a:buChar char="•"/>
             </a:pPr>
             <a:r>
-              <a:rPr lang="pt-BR" dirty="0" smtClean="0"/>
+              <a:rPr lang="pt-BR" dirty="0"/>
               <a:t>Salva nos dados da solicitação  </a:t>
             </a:r>
-            <a:endParaRPr lang="pt-BR" dirty="0"/>
           </a:p>
         </p:txBody>
       </p:sp>
@@ -5569,7 +5459,7 @@
         <p:spPr>
           <a:xfrm>
             <a:off x="4730553" y="3592290"/>
-            <a:ext cx="5358714" cy="2308324"/>
+            <a:ext cx="5358714" cy="2031325"/>
           </a:xfrm>
           <a:prstGeom prst="rect">
             <a:avLst/>
@@ -5592,33 +5482,25 @@
               <a:t>Não - Evento: </a:t>
             </a:r>
             <a:r>
-              <a:rPr lang="pt-BR" dirty="0" smtClean="0"/>
-              <a:t>Recepção</a:t>
-            </a:r>
-            <a:r>
-              <a:rPr lang="pt-BR" dirty="0" smtClean="0"/>
+              <a:rPr lang="pt-BR" dirty="0"/>
+              <a:t>Recepção cobrar o relatório </a:t>
+            </a:r>
+          </a:p>
+          <a:p>
+            <a:r>
+              <a:rPr lang="pt-BR" b="1" dirty="0"/>
+              <a:t>Objetivo: </a:t>
+            </a:r>
+            <a:r>
+              <a:rPr lang="pt-BR" dirty="0"/>
+              <a:t>Pedir</a:t>
+            </a:r>
+            <a:r>
+              <a:rPr lang="pt-BR" b="1" dirty="0"/>
               <a:t> </a:t>
             </a:r>
             <a:r>
               <a:rPr lang="pt-BR" dirty="0"/>
-              <a:t>cobrar o relatório </a:t>
-            </a:r>
-          </a:p>
-          <a:p>
-            <a:r>
-              <a:rPr lang="pt-BR" b="1" dirty="0"/>
-              <a:t>Objetivo: </a:t>
-            </a:r>
-            <a:r>
-              <a:rPr lang="pt-BR" dirty="0"/>
-              <a:t>Pedir</a:t>
-            </a:r>
-            <a:r>
-              <a:rPr lang="pt-BR" b="1" dirty="0"/>
-              <a:t> </a:t>
-            </a:r>
-            <a:r>
-              <a:rPr lang="pt-BR" dirty="0"/>
               <a:t>o relatório</a:t>
             </a:r>
           </a:p>
@@ -5628,7 +5510,7 @@
               <a:t>Trabalhadores envolvidos: </a:t>
             </a:r>
             <a:r>
-              <a:rPr lang="pt-BR" dirty="0" smtClean="0"/>
+              <a:rPr lang="pt-BR" dirty="0"/>
               <a:t>Recepção</a:t>
             </a:r>
           </a:p>
@@ -5638,20 +5520,9 @@
               <a:buChar char="•"/>
             </a:pPr>
             <a:r>
-              <a:rPr lang="pt-BR" dirty="0" smtClean="0"/>
-              <a:t>Se a recepção não receber relatório do trabalho, 24h após a operação  </a:t>
-            </a:r>
-          </a:p>
-          <a:p>
-            <a:pPr marL="285750" indent="-285750">
-              <a:buFont typeface="Arial" panose="020B0604020202020204" pitchFamily="34" charset="0"/>
-              <a:buChar char="•"/>
-            </a:pPr>
-            <a:r>
-              <a:rPr lang="pt-BR" dirty="0" smtClean="0"/>
-              <a:t>A recepção cobrara o relatório do trabalho do técnico. </a:t>
-            </a:r>
-            <a:endParaRPr lang="pt-BR" dirty="0"/>
+              <a:rPr lang="pt-BR" dirty="0"/>
+              <a:t>Se a recepção não receber relatório do trabalho, 24h após a operação, a recepção cobrara o relatório do trabalho do técnico. </a:t>
+            </a:r>
           </a:p>
         </p:txBody>
       </p:sp>
@@ -5949,13 +5820,8 @@
             </a:r>
             <a:r>
               <a:rPr lang="pt-BR" dirty="0"/>
-              <a:t>Registrada na agenda do técnico </a:t>
-            </a:r>
-            <a:r>
-              <a:rPr lang="pt-BR" dirty="0" smtClean="0"/>
-              <a:t>uma nova instalação </a:t>
-            </a:r>
-            <a:endParaRPr lang="pt-BR" dirty="0"/>
+              <a:t>Registrada na agenda do técnico uma nova instalação </a:t>
+            </a:r>
           </a:p>
           <a:p>
             <a:r>
@@ -6141,13 +6007,8 @@
             </a:r>
             <a:r>
               <a:rPr lang="pt-BR" dirty="0"/>
-              <a:t>Verificar como anda a solicitação da </a:t>
-            </a:r>
-            <a:r>
-              <a:rPr lang="pt-BR" dirty="0" smtClean="0"/>
-              <a:t>instalação </a:t>
-            </a:r>
-            <a:endParaRPr lang="pt-BR" dirty="0"/>
+              <a:t>Verificar como anda a solicitação da instalação </a:t>
+            </a:r>
           </a:p>
           <a:p>
             <a:r>
@@ -6156,13 +6017,8 @@
             </a:r>
             <a:r>
               <a:rPr lang="pt-BR" dirty="0"/>
-              <a:t>Verificar a </a:t>
-            </a:r>
-            <a:r>
-              <a:rPr lang="pt-BR" dirty="0" smtClean="0"/>
-              <a:t>solicitação de instalação </a:t>
-            </a:r>
-            <a:endParaRPr lang="pt-BR" dirty="0"/>
+              <a:t>Verificar a solicitação de instalação </a:t>
+            </a:r>
           </a:p>
           <a:p>
             <a:r>
@@ -6181,11 +6037,7 @@
             </a:pPr>
             <a:r>
               <a:rPr lang="pt-BR" dirty="0"/>
-              <a:t>Entra em contato com o cliente e ver mais informações sobre a </a:t>
-            </a:r>
-            <a:r>
-              <a:rPr lang="pt-BR" dirty="0" smtClean="0"/>
-              <a:t>instalação.</a:t>
+              <a:t>Entra em contato com o cliente e ver mais informações sobre a instalação.</a:t>
             </a:r>
           </a:p>
           <a:p>
@@ -6194,10 +6046,9 @@
               <a:buChar char="•"/>
             </a:pPr>
             <a:r>
-              <a:rPr lang="pt-BR" dirty="0" smtClean="0"/>
+              <a:rPr lang="pt-BR" dirty="0"/>
               <a:t>Confirma produto de insolação com o cliente </a:t>
             </a:r>
-            <a:endParaRPr lang="pt-BR" dirty="0"/>
           </a:p>
           <a:p>
             <a:pPr marL="285750" indent="-285750">
@@ -6338,8 +6189,8 @@
         </p:nvSpPr>
         <p:spPr>
           <a:xfrm>
-            <a:off x="5413602" y="3193517"/>
-            <a:ext cx="6888481" cy="2862322"/>
+            <a:off x="5303519" y="3662654"/>
+            <a:ext cx="6888481" cy="3139321"/>
           </a:xfrm>
           <a:prstGeom prst="rect">
             <a:avLst/>
@@ -6352,10 +6203,9 @@
           <a:lstStyle/>
           <a:p>
             <a:r>
-              <a:rPr lang="pt-BR" b="1" dirty="0" smtClean="0"/>
+              <a:rPr lang="pt-BR" b="1" dirty="0"/>
               <a:t>Comparecer na residência </a:t>
             </a:r>
-            <a:endParaRPr lang="pt-BR" b="1" dirty="0"/>
           </a:p>
           <a:p>
             <a:r>
@@ -6363,10 +6213,9 @@
               <a:t>Evento: </a:t>
             </a:r>
             <a:r>
-              <a:rPr lang="pt-BR" dirty="0" smtClean="0"/>
+              <a:rPr lang="pt-BR" dirty="0"/>
               <a:t>Chegar ao local destinado </a:t>
             </a:r>
-            <a:endParaRPr lang="pt-BR" dirty="0"/>
           </a:p>
           <a:p>
             <a:r>
@@ -6374,10 +6223,9 @@
               <a:t>Objetivo: </a:t>
             </a:r>
             <a:r>
-              <a:rPr lang="pt-BR" dirty="0" smtClean="0"/>
+              <a:rPr lang="pt-BR" dirty="0"/>
               <a:t>Comparecer na residência para efetua a instalação </a:t>
             </a:r>
-            <a:endParaRPr lang="pt-BR" dirty="0"/>
           </a:p>
           <a:p>
             <a:r>
@@ -6395,10 +6243,9 @@
               <a:buChar char="•"/>
             </a:pPr>
             <a:r>
-              <a:rPr lang="pt-BR" dirty="0" smtClean="0"/>
-              <a:t>Técnico anota endereço do cliente, e vai ate sua residência </a:t>
-            </a:r>
-            <a:endParaRPr lang="pt-BR" dirty="0"/>
+              <a:rPr lang="pt-BR" dirty="0"/>
+              <a:t>Técnico pega a nota de instalação e vai ate casa do cliente para fazer a instalação.</a:t>
+            </a:r>
           </a:p>
           <a:p>
             <a:pPr marL="1200150" lvl="2" indent="-285750">
@@ -6557,42 +6404,29 @@
           <a:lstStyle/>
           <a:p>
             <a:r>
-              <a:rPr lang="pt-BR" b="1" dirty="0" smtClean="0"/>
+              <a:rPr lang="pt-BR" b="1" dirty="0"/>
               <a:t>Instalação do produto </a:t>
             </a:r>
           </a:p>
           <a:p>
             <a:r>
-              <a:rPr lang="pt-BR" b="1" dirty="0" smtClean="0"/>
-              <a:t>Evento</a:t>
-            </a:r>
-            <a:r>
-              <a:rPr lang="pt-BR" b="1" dirty="0"/>
-              <a:t>: </a:t>
-            </a:r>
-            <a:r>
-              <a:rPr lang="pt-BR" dirty="0" smtClean="0"/>
+              <a:rPr lang="pt-BR" b="1" dirty="0"/>
+              <a:t>Evento: </a:t>
+            </a:r>
+            <a:r>
+              <a:rPr lang="pt-BR" dirty="0"/>
               <a:t>Técnico efetua a instalação </a:t>
             </a:r>
           </a:p>
           <a:p>
             <a:r>
-              <a:rPr lang="pt-BR" b="1" dirty="0" smtClean="0"/>
-              <a:t>Objetivo</a:t>
-            </a:r>
-            <a:r>
-              <a:rPr lang="pt-BR" b="1" dirty="0"/>
-              <a:t>: </a:t>
-            </a:r>
-            <a:r>
-              <a:rPr lang="pt-BR" dirty="0"/>
-              <a:t>Fazer a </a:t>
-            </a:r>
-            <a:r>
-              <a:rPr lang="pt-BR" dirty="0" smtClean="0"/>
-              <a:t>instalação </a:t>
-            </a:r>
-            <a:endParaRPr lang="pt-BR" dirty="0"/>
+              <a:rPr lang="pt-BR" b="1" dirty="0"/>
+              <a:t>Objetivo: </a:t>
+            </a:r>
+            <a:r>
+              <a:rPr lang="pt-BR" dirty="0"/>
+              <a:t>Fazer a instalação </a:t>
+            </a:r>
           </a:p>
           <a:p>
             <a:r>
@@ -6600,7 +6434,7 @@
               <a:t>Trabalhadores envolvidos: </a:t>
             </a:r>
             <a:r>
-              <a:rPr lang="pt-BR" dirty="0" smtClean="0"/>
+              <a:rPr lang="pt-BR" dirty="0"/>
               <a:t>Técnico</a:t>
             </a:r>
           </a:p>
@@ -6610,10 +6444,9 @@
               <a:buChar char="•"/>
             </a:pPr>
             <a:r>
-              <a:rPr lang="pt-BR" dirty="0" smtClean="0"/>
+              <a:rPr lang="pt-BR" dirty="0"/>
               <a:t>Técnico confirma o modelo do produto a ser instalado</a:t>
             </a:r>
-            <a:endParaRPr lang="pt-BR" dirty="0"/>
           </a:p>
           <a:p>
             <a:pPr marL="285750" lvl="0" indent="-285750">
@@ -6621,13 +6454,13 @@
               <a:buChar char="•"/>
             </a:pPr>
             <a:r>
-              <a:rPr lang="pt-BR" dirty="0" smtClean="0"/>
+              <a:rPr lang="pt-BR" dirty="0"/>
               <a:t>Técnico instala produto, efetua teste se o produto está funcionando corretamente.</a:t>
             </a:r>
           </a:p>
           <a:p>
             <a:pPr lvl="0"/>
-            <a:endParaRPr lang="pt-BR" dirty="0" smtClean="0"/>
+            <a:endParaRPr lang="pt-BR" dirty="0"/>
           </a:p>
         </p:txBody>
       </p:sp>
@@ -6766,24 +6599,19 @@
           <a:lstStyle/>
           <a:p>
             <a:r>
-              <a:rPr lang="pt-BR" b="1" dirty="0" smtClean="0"/>
+              <a:rPr lang="pt-BR" b="1" dirty="0"/>
               <a:t>Retomar status da instalação </a:t>
             </a:r>
           </a:p>
           <a:p>
             <a:r>
-              <a:rPr lang="pt-BR" b="1" dirty="0" smtClean="0"/>
-              <a:t>Não - Evento</a:t>
-            </a:r>
-            <a:r>
-              <a:rPr lang="pt-BR" b="1" dirty="0"/>
-              <a:t>: </a:t>
-            </a:r>
-            <a:r>
-              <a:rPr lang="pt-BR" dirty="0" smtClean="0"/>
+              <a:rPr lang="pt-BR" b="1" dirty="0"/>
+              <a:t>Não - Evento: </a:t>
+            </a:r>
+            <a:r>
+              <a:rPr lang="pt-BR" dirty="0"/>
               <a:t>Técnico manda relatório da instalação </a:t>
             </a:r>
-            <a:endParaRPr lang="pt-BR" dirty="0"/>
           </a:p>
           <a:p>
             <a:r>
@@ -6791,10 +6619,9 @@
               <a:t>Objetivo: </a:t>
             </a:r>
             <a:r>
-              <a:rPr lang="pt-BR" dirty="0" smtClean="0"/>
+              <a:rPr lang="pt-BR" dirty="0"/>
               <a:t>Retornar relatório</a:t>
             </a:r>
-            <a:endParaRPr lang="pt-BR" dirty="0"/>
           </a:p>
           <a:p>
             <a:r>
@@ -6802,10 +6629,9 @@
               <a:t>Trabalhadores envolvidos: </a:t>
             </a:r>
             <a:r>
-              <a:rPr lang="pt-BR" dirty="0" smtClean="0"/>
+              <a:rPr lang="pt-BR" dirty="0"/>
               <a:t>Técnico </a:t>
             </a:r>
-            <a:endParaRPr lang="pt-BR" dirty="0"/>
           </a:p>
           <a:p>
             <a:pPr marL="285750" indent="-285750">
@@ -6814,15 +6640,7 @@
             </a:pPr>
             <a:r>
               <a:rPr lang="pt-BR" dirty="0"/>
-              <a:t>Técnico ao concluir o </a:t>
-            </a:r>
-            <a:r>
-              <a:rPr lang="pt-BR" dirty="0" smtClean="0"/>
-              <a:t>serviço de instalação, </a:t>
-            </a:r>
-            <a:r>
-              <a:rPr lang="pt-BR" dirty="0"/>
-              <a:t>presta nota de tudo que foi requisitado e enviar o pedido de status do pedido.</a:t>
+              <a:t>Técnico ao concluir o serviço de instalação, presta nota de tudo que foi requisitado e enviar o pedido de status do pedido.</a:t>
             </a:r>
           </a:p>
         </p:txBody>
@@ -7482,18 +7300,13 @@
           <a:p>
             <a:pPr algn="ctr"/>
             <a:r>
-              <a:rPr lang="pt-BR" dirty="0" smtClean="0">
+              <a:rPr lang="pt-BR" dirty="0">
                 <a:solidFill>
                   <a:srgbClr val="FF0000"/>
                 </a:solidFill>
               </a:rPr>
               <a:t>v</a:t>
             </a:r>
-            <a:endParaRPr lang="pt-BR" dirty="0">
-              <a:solidFill>
-                <a:srgbClr val="FF0000"/>
-              </a:solidFill>
-            </a:endParaRPr>
           </a:p>
         </p:txBody>
       </p:sp>
@@ -8814,8 +8627,8 @@
         </p:nvSpPr>
         <p:spPr>
           <a:xfrm>
-            <a:off x="7101016" y="4373431"/>
-            <a:ext cx="5090983" cy="2308324"/>
+            <a:off x="6911663" y="4409613"/>
+            <a:ext cx="5037321" cy="2308324"/>
           </a:xfrm>
           <a:prstGeom prst="rect">
             <a:avLst/>
@@ -9021,40 +8834,29 @@
           <a:lstStyle/>
           <a:p>
             <a:r>
-              <a:rPr lang="pt-BR" b="1" dirty="0" smtClean="0"/>
+              <a:rPr lang="pt-BR" b="1" dirty="0"/>
               <a:t>Receber dados do problema </a:t>
             </a:r>
-            <a:endParaRPr lang="pt-BR" b="1" dirty="0"/>
-          </a:p>
-          <a:p>
-            <a:r>
-              <a:rPr lang="pt-BR" b="1" dirty="0" smtClean="0"/>
-              <a:t>Evento</a:t>
-            </a:r>
-            <a:r>
-              <a:rPr lang="pt-BR" b="1" dirty="0"/>
-              <a:t>: </a:t>
-            </a:r>
-            <a:r>
-              <a:rPr lang="pt-BR" dirty="0" smtClean="0"/>
+          </a:p>
+          <a:p>
+            <a:r>
+              <a:rPr lang="pt-BR" b="1" dirty="0"/>
+              <a:t>Evento: </a:t>
+            </a:r>
+            <a:r>
+              <a:rPr lang="pt-BR" dirty="0"/>
               <a:t>Receber dados do problema do cliente </a:t>
             </a:r>
-            <a:endParaRPr lang="pt-BR" dirty="0" smtClean="0"/>
-          </a:p>
-          <a:p>
-            <a:r>
-              <a:rPr lang="pt-BR" b="1" dirty="0" smtClean="0"/>
-              <a:t>Objetivo</a:t>
-            </a:r>
-            <a:r>
-              <a:rPr lang="pt-BR" b="1" dirty="0"/>
-              <a:t>: </a:t>
-            </a:r>
-            <a:r>
-              <a:rPr lang="pt-BR" dirty="0" smtClean="0"/>
+          </a:p>
+          <a:p>
+            <a:r>
+              <a:rPr lang="pt-BR" b="1" dirty="0"/>
+              <a:t>Objetivo: </a:t>
+            </a:r>
+            <a:r>
+              <a:rPr lang="pt-BR" dirty="0"/>
               <a:t>Entender o problema </a:t>
             </a:r>
-            <a:endParaRPr lang="pt-BR" dirty="0"/>
           </a:p>
           <a:p>
             <a:r>
@@ -9062,7 +8864,7 @@
               <a:t>Trabalhadores envolvidos: </a:t>
             </a:r>
             <a:r>
-              <a:rPr lang="pt-BR" dirty="0" smtClean="0"/>
+              <a:rPr lang="pt-BR" dirty="0"/>
               <a:t>Atendente</a:t>
             </a:r>
           </a:p>
@@ -9072,10 +8874,9 @@
               <a:buChar char="•"/>
             </a:pPr>
             <a:r>
-              <a:rPr lang="pt-BR" dirty="0" smtClean="0"/>
+              <a:rPr lang="pt-BR" dirty="0"/>
               <a:t>Atendente ao receber os dados do problema, envia pra o técnico </a:t>
             </a:r>
-            <a:endParaRPr lang="pt-BR" dirty="0"/>
           </a:p>
         </p:txBody>
       </p:sp>
